--- a/Deploying Machine Learning APIs with Python.pptx
+++ b/Deploying Machine Learning APIs with Python.pptx
@@ -13,8 +13,11 @@
     <p:sldId id="261" r:id="rId7"/>
     <p:sldId id="260" r:id="rId8"/>
     <p:sldId id="265" r:id="rId9"/>
-    <p:sldId id="258" r:id="rId10"/>
-    <p:sldId id="267" r:id="rId11"/>
+    <p:sldId id="269" r:id="rId10"/>
+    <p:sldId id="270" r:id="rId11"/>
+    <p:sldId id="268" r:id="rId12"/>
+    <p:sldId id="258" r:id="rId13"/>
+    <p:sldId id="267" r:id="rId14"/>
   </p:sldIdLst>
   <p:sldSz cx="12192000" cy="6858000"/>
   <p:notesSz cx="6858000" cy="9144000"/>
@@ -623,7 +626,7 @@
           <a:p>
             <a:fld id="{1160EA64-D806-43AC-9DF2-F8C432F32B4C}" type="datetimeFigureOut">
               <a:rPr lang="en-US" smtClean="0"/>
-              <a:t>10/8/2018</a:t>
+              <a:t>10/9/2018</a:t>
             </a:fld>
             <a:endParaRPr lang="en-US" dirty="0"/>
           </a:p>
@@ -920,7 +923,7 @@
           <a:p>
             <a:fld id="{1160EA64-D806-43AC-9DF2-F8C432F32B4C}" type="datetimeFigureOut">
               <a:rPr lang="en-US" smtClean="0"/>
-              <a:t>10/8/2018</a:t>
+              <a:t>10/9/2018</a:t>
             </a:fld>
             <a:endParaRPr lang="en-US" dirty="0"/>
           </a:p>
@@ -1170,7 +1173,7 @@
           <a:p>
             <a:fld id="{1160EA64-D806-43AC-9DF2-F8C432F32B4C}" type="datetimeFigureOut">
               <a:rPr lang="en-US" smtClean="0"/>
-              <a:t>10/8/2018</a:t>
+              <a:t>10/9/2018</a:t>
             </a:fld>
             <a:endParaRPr lang="en-US" dirty="0"/>
           </a:p>
@@ -1712,7 +1715,7 @@
           <a:p>
             <a:fld id="{1160EA64-D806-43AC-9DF2-F8C432F32B4C}" type="datetimeFigureOut">
               <a:rPr lang="en-US" smtClean="0"/>
-              <a:t>10/8/2018</a:t>
+              <a:t>10/9/2018</a:t>
             </a:fld>
             <a:endParaRPr lang="en-US" dirty="0"/>
           </a:p>
@@ -1962,7 +1965,7 @@
           <a:p>
             <a:fld id="{1160EA64-D806-43AC-9DF2-F8C432F32B4C}" type="datetimeFigureOut">
               <a:rPr lang="en-US" smtClean="0"/>
-              <a:t>10/8/2018</a:t>
+              <a:t>10/9/2018</a:t>
             </a:fld>
             <a:endParaRPr lang="en-US" dirty="0"/>
           </a:p>
@@ -2496,7 +2499,7 @@
           <a:p>
             <a:fld id="{1160EA64-D806-43AC-9DF2-F8C432F32B4C}" type="datetimeFigureOut">
               <a:rPr lang="en-US" smtClean="0"/>
-              <a:t>10/8/2018</a:t>
+              <a:t>10/9/2018</a:t>
             </a:fld>
             <a:endParaRPr lang="en-US" dirty="0"/>
           </a:p>
@@ -2795,7 +2798,7 @@
           <a:p>
             <a:fld id="{1160EA64-D806-43AC-9DF2-F8C432F32B4C}" type="datetimeFigureOut">
               <a:rPr lang="en-US" smtClean="0"/>
-              <a:t>10/8/2018</a:t>
+              <a:t>10/9/2018</a:t>
             </a:fld>
             <a:endParaRPr lang="en-US" dirty="0"/>
           </a:p>
@@ -2971,7 +2974,7 @@
           <a:p>
             <a:fld id="{E9F9C37B-1D36-470B-8223-D6C91242EC14}" type="datetimeFigureOut">
               <a:rPr lang="en-US" smtClean="0"/>
-              <a:t>10/8/2018</a:t>
+              <a:t>10/9/2018</a:t>
             </a:fld>
             <a:endParaRPr lang="en-US" dirty="0"/>
           </a:p>
@@ -3151,7 +3154,7 @@
           <a:p>
             <a:fld id="{67C6F52A-A82B-47A2-A83A-8C4C91F2D59F}" type="datetimeFigureOut">
               <a:rPr lang="en-US" smtClean="0"/>
-              <a:t>10/8/2018</a:t>
+              <a:t>10/9/2018</a:t>
             </a:fld>
             <a:endParaRPr lang="en-US" dirty="0"/>
           </a:p>
@@ -3321,7 +3324,7 @@
           <a:p>
             <a:fld id="{F070A7B3-6521-4DCA-87E5-044747A908C1}" type="datetimeFigureOut">
               <a:rPr lang="en-US" smtClean="0"/>
-              <a:t>10/8/2018</a:t>
+              <a:t>10/9/2018</a:t>
             </a:fld>
             <a:endParaRPr lang="en-US" dirty="0"/>
           </a:p>
@@ -3573,7 +3576,7 @@
           <a:p>
             <a:fld id="{1160EA64-D806-43AC-9DF2-F8C432F32B4C}" type="datetimeFigureOut">
               <a:rPr lang="en-US" smtClean="0"/>
-              <a:t>10/8/2018</a:t>
+              <a:t>10/9/2018</a:t>
             </a:fld>
             <a:endParaRPr lang="en-US" dirty="0"/>
           </a:p>
@@ -3871,7 +3874,7 @@
           <a:p>
             <a:fld id="{AB134690-1557-4C89-A502-4959FE7FAD70}" type="datetimeFigureOut">
               <a:rPr lang="en-US" smtClean="0"/>
-              <a:t>10/8/2018</a:t>
+              <a:t>10/9/2018</a:t>
             </a:fld>
             <a:endParaRPr lang="en-US" dirty="0"/>
           </a:p>
@@ -4313,7 +4316,7 @@
           <a:p>
             <a:fld id="{1160EA64-D806-43AC-9DF2-F8C432F32B4C}" type="datetimeFigureOut">
               <a:rPr lang="en-US" smtClean="0"/>
-              <a:t>10/8/2018</a:t>
+              <a:t>10/9/2018</a:t>
             </a:fld>
             <a:endParaRPr lang="en-US" dirty="0"/>
           </a:p>
@@ -4433,7 +4436,7 @@
           <a:p>
             <a:fld id="{E1037C31-9E7A-4F99-8774-A0E530DE1A42}" type="datetimeFigureOut">
               <a:rPr lang="en-US" smtClean="0"/>
-              <a:t>10/8/2018</a:t>
+              <a:t>10/9/2018</a:t>
             </a:fld>
             <a:endParaRPr lang="en-US" dirty="0"/>
           </a:p>
@@ -4528,7 +4531,7 @@
           <a:p>
             <a:fld id="{C278504F-A551-4DE0-9316-4DCD1D8CC752}" type="datetimeFigureOut">
               <a:rPr lang="en-US" smtClean="0"/>
-              <a:t>10/8/2018</a:t>
+              <a:t>10/9/2018</a:t>
             </a:fld>
             <a:endParaRPr lang="en-US" dirty="0"/>
           </a:p>
@@ -4811,7 +4814,7 @@
           <a:p>
             <a:fld id="{1160EA64-D806-43AC-9DF2-F8C432F32B4C}" type="datetimeFigureOut">
               <a:rPr lang="en-US" smtClean="0"/>
-              <a:t>10/8/2018</a:t>
+              <a:t>10/9/2018</a:t>
             </a:fld>
             <a:endParaRPr lang="en-US" dirty="0"/>
           </a:p>
@@ -5103,7 +5106,7 @@
           <a:p>
             <a:fld id="{1160EA64-D806-43AC-9DF2-F8C432F32B4C}" type="datetimeFigureOut">
               <a:rPr lang="en-US" smtClean="0"/>
-              <a:t>10/8/2018</a:t>
+              <a:t>10/9/2018</a:t>
             </a:fld>
             <a:endParaRPr lang="en-US" dirty="0"/>
           </a:p>
@@ -5635,7 +5638,7 @@
           <a:p>
             <a:fld id="{1160EA64-D806-43AC-9DF2-F8C432F32B4C}" type="datetimeFigureOut">
               <a:rPr lang="en-US" smtClean="0"/>
-              <a:t>10/8/2018</a:t>
+              <a:t>10/9/2018</a:t>
             </a:fld>
             <a:endParaRPr lang="en-US" dirty="0"/>
           </a:p>
@@ -6314,10 +6317,572 @@
   <p:clrMapOvr>
     <a:masterClrMapping/>
   </p:clrMapOvr>
+  <p:timing>
+    <p:tnLst>
+      <p:par>
+        <p:cTn id="1" dur="indefinite" restart="never" nodeType="tmRoot"/>
+      </p:par>
+    </p:tnLst>
+  </p:timing>
 </p:sld>
 </file>
 
 <file path=ppt/slides/slide10.xml><?xml version="1.0" encoding="utf-8"?>
+<p:sld xmlns:a="http://schemas.openxmlformats.org/drawingml/2006/main" xmlns:r="http://schemas.openxmlformats.org/officeDocument/2006/relationships" xmlns:p="http://schemas.openxmlformats.org/presentationml/2006/main">
+  <p:cSld>
+    <p:spTree>
+      <p:nvGrpSpPr>
+        <p:cNvPr id="1" name=""/>
+        <p:cNvGrpSpPr/>
+        <p:nvPr/>
+      </p:nvGrpSpPr>
+      <p:grpSpPr>
+        <a:xfrm>
+          <a:off x="0" y="0"/>
+          <a:ext cx="0" cy="0"/>
+          <a:chOff x="0" y="0"/>
+          <a:chExt cx="0" cy="0"/>
+        </a:xfrm>
+      </p:grpSpPr>
+      <p:sp>
+        <p:nvSpPr>
+          <p:cNvPr id="2" name="Title 1"/>
+          <p:cNvSpPr>
+            <a:spLocks noGrp="1"/>
+          </p:cNvSpPr>
+          <p:nvPr>
+            <p:ph type="title"/>
+          </p:nvPr>
+        </p:nvSpPr>
+        <p:spPr/>
+        <p:txBody>
+          <a:bodyPr/>
+          <a:lstStyle/>
+          <a:p>
+            <a:r>
+              <a:rPr lang="en-US" dirty="0" smtClean="0"/>
+              <a:t>Go to Demo</a:t>
+            </a:r>
+            <a:endParaRPr lang="en-US" dirty="0"/>
+          </a:p>
+        </p:txBody>
+      </p:sp>
+      <p:pic>
+        <p:nvPicPr>
+          <p:cNvPr id="1026" name="Picture 2" descr="Image result for show me the code"/>
+          <p:cNvPicPr>
+            <a:picLocks noChangeAspect="1" noChangeArrowheads="1"/>
+          </p:cNvPicPr>
+          <p:nvPr/>
+        </p:nvPicPr>
+        <p:blipFill>
+          <a:blip r:embed="rId2">
+            <a:extLst>
+              <a:ext uri="{28A0092B-C50C-407E-A947-70E740481C1C}">
+                <a14:useLocalDpi xmlns:a14="http://schemas.microsoft.com/office/drawing/2010/main" val="0"/>
+              </a:ext>
+            </a:extLst>
+          </a:blip>
+          <a:srcRect/>
+          <a:stretch>
+            <a:fillRect/>
+          </a:stretch>
+        </p:blipFill>
+        <p:spPr bwMode="auto">
+          <a:xfrm>
+            <a:off x="0" y="0"/>
+            <a:ext cx="12410327" cy="6980809"/>
+          </a:xfrm>
+          <a:prstGeom prst="rect">
+            <a:avLst/>
+          </a:prstGeom>
+          <a:noFill/>
+          <a:extLst>
+            <a:ext uri="{909E8E84-426E-40DD-AFC4-6F175D3DCCD1}">
+              <a14:hiddenFill xmlns:a14="http://schemas.microsoft.com/office/drawing/2010/main">
+                <a:solidFill>
+                  <a:srgbClr val="FFFFFF"/>
+                </a:solidFill>
+              </a14:hiddenFill>
+            </a:ext>
+          </a:extLst>
+        </p:spPr>
+      </p:pic>
+    </p:spTree>
+    <p:extLst>
+      <p:ext uri="{BB962C8B-B14F-4D97-AF65-F5344CB8AC3E}">
+        <p14:creationId xmlns:p14="http://schemas.microsoft.com/office/powerpoint/2010/main" val="780506625"/>
+      </p:ext>
+    </p:extLst>
+  </p:cSld>
+  <p:clrMapOvr>
+    <a:masterClrMapping/>
+  </p:clrMapOvr>
+  <p:timing>
+    <p:tnLst>
+      <p:par>
+        <p:cTn id="1" dur="indefinite" restart="never" nodeType="tmRoot"/>
+      </p:par>
+    </p:tnLst>
+  </p:timing>
+</p:sld>
+</file>
+
+<file path=ppt/slides/slide11.xml><?xml version="1.0" encoding="utf-8"?>
+<p:sld xmlns:a="http://schemas.openxmlformats.org/drawingml/2006/main" xmlns:r="http://schemas.openxmlformats.org/officeDocument/2006/relationships" xmlns:p="http://schemas.openxmlformats.org/presentationml/2006/main">
+  <p:cSld>
+    <p:spTree>
+      <p:nvGrpSpPr>
+        <p:cNvPr id="1" name=""/>
+        <p:cNvGrpSpPr/>
+        <p:nvPr/>
+      </p:nvGrpSpPr>
+      <p:grpSpPr>
+        <a:xfrm>
+          <a:off x="0" y="0"/>
+          <a:ext cx="0" cy="0"/>
+          <a:chOff x="0" y="0"/>
+          <a:chExt cx="0" cy="0"/>
+        </a:xfrm>
+      </p:grpSpPr>
+      <p:sp>
+        <p:nvSpPr>
+          <p:cNvPr id="2" name="Title 1"/>
+          <p:cNvSpPr>
+            <a:spLocks noGrp="1"/>
+          </p:cNvSpPr>
+          <p:nvPr>
+            <p:ph type="title"/>
+          </p:nvPr>
+        </p:nvSpPr>
+        <p:spPr/>
+        <p:txBody>
+          <a:bodyPr/>
+          <a:lstStyle/>
+          <a:p>
+            <a:r>
+              <a:rPr lang="en-US" dirty="0" smtClean="0"/>
+              <a:t>Infrastructure / DevOps Considerations</a:t>
+            </a:r>
+            <a:endParaRPr lang="en-US" dirty="0"/>
+          </a:p>
+        </p:txBody>
+      </p:sp>
+      <p:sp>
+        <p:nvSpPr>
+          <p:cNvPr id="3" name="Content Placeholder 2"/>
+          <p:cNvSpPr>
+            <a:spLocks noGrp="1"/>
+          </p:cNvSpPr>
+          <p:nvPr>
+            <p:ph idx="1"/>
+          </p:nvPr>
+        </p:nvSpPr>
+        <p:spPr>
+          <a:xfrm>
+            <a:off x="1484310" y="2151017"/>
+            <a:ext cx="10018713" cy="3640183"/>
+          </a:xfrm>
+        </p:spPr>
+        <p:txBody>
+          <a:bodyPr>
+            <a:normAutofit fontScale="85000" lnSpcReduction="10000"/>
+          </a:bodyPr>
+          <a:lstStyle/>
+          <a:p>
+            <a:r>
+              <a:rPr lang="en-US" dirty="0" smtClean="0"/>
+              <a:t>Flask ships with a development server, but REALLY need to put it behind a real web server:</a:t>
+            </a:r>
+          </a:p>
+          <a:p>
+            <a:pPr lvl="1"/>
+            <a:r>
+              <a:rPr lang="en-US" dirty="0" smtClean="0"/>
+              <a:t>Apache, NGINX, </a:t>
+            </a:r>
+            <a:r>
+              <a:rPr lang="en-US" dirty="0" err="1" smtClean="0"/>
+              <a:t>Gunicorn</a:t>
+            </a:r>
+            <a:r>
+              <a:rPr lang="en-US" dirty="0" smtClean="0"/>
+              <a:t>, </a:t>
+            </a:r>
+            <a:r>
+              <a:rPr lang="en-US" dirty="0" err="1" smtClean="0"/>
+              <a:t>etc</a:t>
+            </a:r>
+            <a:endParaRPr lang="en-US" dirty="0" smtClean="0"/>
+          </a:p>
+          <a:p>
+            <a:pPr lvl="1"/>
+            <a:r>
+              <a:rPr lang="en-US" dirty="0" smtClean="0">
+                <a:hlinkClick r:id="rId2"/>
+              </a:rPr>
+              <a:t>http</a:t>
+            </a:r>
+            <a:r>
+              <a:rPr lang="en-US" dirty="0">
+                <a:hlinkClick r:id="rId2"/>
+              </a:rPr>
+              <a:t>://flask.pocoo.org/docs/1.0/deploying/</a:t>
+            </a:r>
+            <a:r>
+              <a:rPr lang="en-US" dirty="0"/>
+              <a:t> </a:t>
+            </a:r>
+            <a:endParaRPr lang="en-US" dirty="0" smtClean="0"/>
+          </a:p>
+          <a:p>
+            <a:r>
+              <a:rPr lang="en-US" dirty="0" smtClean="0"/>
+              <a:t>Can deploy to AWS/GCP/Azure quite easily</a:t>
+            </a:r>
+          </a:p>
+          <a:p>
+            <a:pPr lvl="1"/>
+            <a:r>
+              <a:rPr lang="en-US" dirty="0">
+                <a:hlinkClick r:id="rId3"/>
+              </a:rPr>
+              <a:t>https://</a:t>
+            </a:r>
+            <a:r>
+              <a:rPr lang="en-US" dirty="0" smtClean="0">
+                <a:hlinkClick r:id="rId3"/>
+              </a:rPr>
+              <a:t>cloud.google.com/appengine/docs/standard/python/getting-started/python-standard-env</a:t>
+            </a:r>
+            <a:r>
+              <a:rPr lang="en-US" dirty="0" smtClean="0"/>
+              <a:t> </a:t>
+            </a:r>
+          </a:p>
+          <a:p>
+            <a:r>
+              <a:rPr lang="en-US" dirty="0" smtClean="0"/>
+              <a:t>Containers work well:</a:t>
+            </a:r>
+          </a:p>
+          <a:p>
+            <a:pPr lvl="1"/>
+            <a:r>
+              <a:rPr lang="en-US" dirty="0">
+                <a:hlinkClick r:id="rId4"/>
+              </a:rPr>
+              <a:t>https://</a:t>
+            </a:r>
+            <a:r>
+              <a:rPr lang="en-US" dirty="0" smtClean="0">
+                <a:hlinkClick r:id="rId4"/>
+              </a:rPr>
+              <a:t>blog.miguelgrinberg.com/post/the-flask-mega-tutorial-part-xix-deployment-on-docker-containers</a:t>
+            </a:r>
+            <a:r>
+              <a:rPr lang="en-US" dirty="0" smtClean="0"/>
+              <a:t> </a:t>
+            </a:r>
+          </a:p>
+          <a:p>
+            <a:r>
+              <a:rPr lang="en-US" dirty="0" smtClean="0"/>
+              <a:t>Make sure you set up logs the correct way:</a:t>
+            </a:r>
+          </a:p>
+          <a:p>
+            <a:pPr lvl="1"/>
+            <a:r>
+              <a:rPr lang="en-US" dirty="0">
+                <a:hlinkClick r:id="rId5"/>
+              </a:rPr>
+              <a:t>http://</a:t>
+            </a:r>
+            <a:r>
+              <a:rPr lang="en-US" dirty="0" smtClean="0">
+                <a:hlinkClick r:id="rId5"/>
+              </a:rPr>
+              <a:t>flask.pocoo.org/docs/1.0/logging/</a:t>
+            </a:r>
+            <a:endParaRPr lang="en-US" dirty="0"/>
+          </a:p>
+        </p:txBody>
+      </p:sp>
+      <p:sp>
+        <p:nvSpPr>
+          <p:cNvPr id="4" name="TextBox 3"/>
+          <p:cNvSpPr txBox="1"/>
+          <p:nvPr/>
+        </p:nvSpPr>
+        <p:spPr>
+          <a:xfrm>
+            <a:off x="4236066" y="6488668"/>
+            <a:ext cx="4458593" cy="369332"/>
+          </a:xfrm>
+          <a:prstGeom prst="rect">
+            <a:avLst/>
+          </a:prstGeom>
+          <a:noFill/>
+        </p:spPr>
+        <p:txBody>
+          <a:bodyPr wrap="none" rtlCol="0">
+            <a:spAutoFit/>
+          </a:bodyPr>
+          <a:lstStyle/>
+          <a:p>
+            <a:r>
+              <a:rPr lang="en-US" dirty="0">
+                <a:solidFill>
+                  <a:schemeClr val="accent1">
+                    <a:lumMod val="75000"/>
+                  </a:schemeClr>
+                </a:solidFill>
+              </a:rPr>
+              <a:t>github.com/</a:t>
+            </a:r>
+            <a:r>
+              <a:rPr lang="en-US" dirty="0" err="1">
+                <a:solidFill>
+                  <a:schemeClr val="accent1">
+                    <a:lumMod val="75000"/>
+                  </a:schemeClr>
+                </a:solidFill>
+              </a:rPr>
+              <a:t>chasedehan</a:t>
+            </a:r>
+            <a:r>
+              <a:rPr lang="en-US" dirty="0">
+                <a:solidFill>
+                  <a:schemeClr val="accent1">
+                    <a:lumMod val="75000"/>
+                  </a:schemeClr>
+                </a:solidFill>
+              </a:rPr>
+              <a:t>/big_mountain_2018</a:t>
+            </a:r>
+          </a:p>
+        </p:txBody>
+      </p:sp>
+    </p:spTree>
+    <p:extLst>
+      <p:ext uri="{BB962C8B-B14F-4D97-AF65-F5344CB8AC3E}">
+        <p14:creationId xmlns:p14="http://schemas.microsoft.com/office/powerpoint/2010/main" val="2482572269"/>
+      </p:ext>
+    </p:extLst>
+  </p:cSld>
+  <p:clrMapOvr>
+    <a:masterClrMapping/>
+  </p:clrMapOvr>
+  <p:timing>
+    <p:tnLst>
+      <p:par>
+        <p:cTn id="1" dur="indefinite" restart="never" nodeType="tmRoot"/>
+      </p:par>
+    </p:tnLst>
+  </p:timing>
+</p:sld>
+</file>
+
+<file path=ppt/slides/slide12.xml><?xml version="1.0" encoding="utf-8"?>
+<p:sld xmlns:a="http://schemas.openxmlformats.org/drawingml/2006/main" xmlns:r="http://schemas.openxmlformats.org/officeDocument/2006/relationships" xmlns:p="http://schemas.openxmlformats.org/presentationml/2006/main">
+  <p:cSld>
+    <p:spTree>
+      <p:nvGrpSpPr>
+        <p:cNvPr id="1" name=""/>
+        <p:cNvGrpSpPr/>
+        <p:nvPr/>
+      </p:nvGrpSpPr>
+      <p:grpSpPr>
+        <a:xfrm>
+          <a:off x="0" y="0"/>
+          <a:ext cx="0" cy="0"/>
+          <a:chOff x="0" y="0"/>
+          <a:chExt cx="0" cy="0"/>
+        </a:xfrm>
+      </p:grpSpPr>
+      <p:sp>
+        <p:nvSpPr>
+          <p:cNvPr id="2" name="Title 1"/>
+          <p:cNvSpPr>
+            <a:spLocks noGrp="1"/>
+          </p:cNvSpPr>
+          <p:nvPr>
+            <p:ph type="title"/>
+          </p:nvPr>
+        </p:nvSpPr>
+        <p:spPr/>
+        <p:txBody>
+          <a:bodyPr/>
+          <a:lstStyle/>
+          <a:p>
+            <a:r>
+              <a:rPr lang="en-US" dirty="0" smtClean="0"/>
+              <a:t>Take Note Before Deploying</a:t>
+            </a:r>
+            <a:endParaRPr lang="en-US" dirty="0"/>
+          </a:p>
+        </p:txBody>
+      </p:sp>
+      <p:sp>
+        <p:nvSpPr>
+          <p:cNvPr id="3" name="Content Placeholder 2"/>
+          <p:cNvSpPr>
+            <a:spLocks noGrp="1"/>
+          </p:cNvSpPr>
+          <p:nvPr>
+            <p:ph idx="1"/>
+          </p:nvPr>
+        </p:nvSpPr>
+        <p:spPr>
+          <a:xfrm>
+            <a:off x="1484310" y="2666999"/>
+            <a:ext cx="10018713" cy="3594464"/>
+          </a:xfrm>
+        </p:spPr>
+        <p:txBody>
+          <a:bodyPr>
+            <a:normAutofit lnSpcReduction="10000"/>
+          </a:bodyPr>
+          <a:lstStyle/>
+          <a:p>
+            <a:r>
+              <a:rPr lang="en-US" dirty="0" smtClean="0"/>
+              <a:t>This </a:t>
+            </a:r>
+            <a:r>
+              <a:rPr lang="en-US" dirty="0" smtClean="0"/>
+              <a:t>talk was only about deploying machine learning models, not about how to build a good model. </a:t>
+            </a:r>
+            <a:endParaRPr lang="en-US" dirty="0" smtClean="0"/>
+          </a:p>
+          <a:p>
+            <a:endParaRPr lang="en-US" dirty="0" smtClean="0"/>
+          </a:p>
+          <a:p>
+            <a:r>
+              <a:rPr lang="en-US" dirty="0" smtClean="0"/>
+              <a:t>Need to be diligent about virtual environments because the </a:t>
+            </a:r>
+            <a:r>
+              <a:rPr lang="en-US" dirty="0" err="1" smtClean="0"/>
+              <a:t>joblib</a:t>
+            </a:r>
+            <a:r>
+              <a:rPr lang="en-US" dirty="0" smtClean="0"/>
+              <a:t>/</a:t>
+            </a:r>
+            <a:r>
+              <a:rPr lang="en-US" dirty="0" err="1" smtClean="0"/>
+              <a:t>pkl</a:t>
+            </a:r>
+            <a:r>
+              <a:rPr lang="en-US" dirty="0" smtClean="0"/>
+              <a:t> </a:t>
+            </a:r>
+            <a:r>
+              <a:rPr lang="en-US" dirty="0" smtClean="0"/>
+              <a:t>files can break with different versions of </a:t>
+            </a:r>
+            <a:r>
+              <a:rPr lang="en-US" dirty="0" err="1" smtClean="0"/>
+              <a:t>sklearn</a:t>
+            </a:r>
+            <a:endParaRPr lang="en-US" dirty="0" smtClean="0"/>
+          </a:p>
+          <a:p>
+            <a:pPr marL="0" indent="0">
+              <a:buNone/>
+            </a:pPr>
+            <a:endParaRPr lang="en-US" dirty="0" smtClean="0"/>
+          </a:p>
+          <a:p>
+            <a:r>
+              <a:rPr lang="en-US" dirty="0" smtClean="0"/>
+              <a:t>Code </a:t>
+            </a:r>
+            <a:r>
+              <a:rPr lang="en-US" dirty="0" smtClean="0"/>
+              <a:t>was built in a simplistic way for pedagogical purposes. For actual production, use appropriate software engineering practices.</a:t>
+            </a:r>
+          </a:p>
+          <a:p>
+            <a:endParaRPr lang="en-US" dirty="0" smtClean="0"/>
+          </a:p>
+          <a:p>
+            <a:endParaRPr lang="en-US" dirty="0"/>
+          </a:p>
+        </p:txBody>
+      </p:sp>
+      <p:sp>
+        <p:nvSpPr>
+          <p:cNvPr id="4" name="TextBox 3"/>
+          <p:cNvSpPr txBox="1"/>
+          <p:nvPr/>
+        </p:nvSpPr>
+        <p:spPr>
+          <a:xfrm>
+            <a:off x="4236066" y="6488668"/>
+            <a:ext cx="4458593" cy="369332"/>
+          </a:xfrm>
+          <a:prstGeom prst="rect">
+            <a:avLst/>
+          </a:prstGeom>
+          <a:noFill/>
+        </p:spPr>
+        <p:txBody>
+          <a:bodyPr wrap="none" rtlCol="0">
+            <a:spAutoFit/>
+          </a:bodyPr>
+          <a:lstStyle/>
+          <a:p>
+            <a:r>
+              <a:rPr lang="en-US" dirty="0">
+                <a:solidFill>
+                  <a:schemeClr val="accent1">
+                    <a:lumMod val="75000"/>
+                  </a:schemeClr>
+                </a:solidFill>
+              </a:rPr>
+              <a:t>github.com/</a:t>
+            </a:r>
+            <a:r>
+              <a:rPr lang="en-US" dirty="0" err="1">
+                <a:solidFill>
+                  <a:schemeClr val="accent1">
+                    <a:lumMod val="75000"/>
+                  </a:schemeClr>
+                </a:solidFill>
+              </a:rPr>
+              <a:t>chasedehan</a:t>
+            </a:r>
+            <a:r>
+              <a:rPr lang="en-US" dirty="0">
+                <a:solidFill>
+                  <a:schemeClr val="accent1">
+                    <a:lumMod val="75000"/>
+                  </a:schemeClr>
+                </a:solidFill>
+              </a:rPr>
+              <a:t>/big_mountain_2018</a:t>
+            </a:r>
+          </a:p>
+        </p:txBody>
+      </p:sp>
+    </p:spTree>
+    <p:extLst>
+      <p:ext uri="{BB962C8B-B14F-4D97-AF65-F5344CB8AC3E}">
+        <p14:creationId xmlns:p14="http://schemas.microsoft.com/office/powerpoint/2010/main" val="805169895"/>
+      </p:ext>
+    </p:extLst>
+  </p:cSld>
+  <p:clrMapOvr>
+    <a:masterClrMapping/>
+  </p:clrMapOvr>
+</p:sld>
+</file>
+
+<file path=ppt/slides/slide13.xml><?xml version="1.0" encoding="utf-8"?>
 <p:sld xmlns:a="http://schemas.openxmlformats.org/drawingml/2006/main" xmlns:r="http://schemas.openxmlformats.org/officeDocument/2006/relationships" xmlns:p="http://schemas.openxmlformats.org/presentationml/2006/main">
   <p:cSld>
     <p:spTree>
@@ -6943,6 +7508,13 @@
   <p:clrMapOvr>
     <a:masterClrMapping/>
   </p:clrMapOvr>
+  <p:timing>
+    <p:tnLst>
+      <p:par>
+        <p:cTn id="1" dur="indefinite" restart="never" nodeType="tmRoot"/>
+      </p:par>
+    </p:tnLst>
+  </p:timing>
 </p:sld>
 </file>
 
@@ -7003,7 +7575,15 @@
           <a:p>
             <a:r>
               <a:rPr lang="en-US" dirty="0" smtClean="0"/>
-              <a:t>Why use an API?</a:t>
+              <a:t>Why use </a:t>
+            </a:r>
+            <a:r>
+              <a:rPr lang="en-US" dirty="0" smtClean="0"/>
+              <a:t>a REST </a:t>
+            </a:r>
+            <a:r>
+              <a:rPr lang="en-US" dirty="0" smtClean="0"/>
+              <a:t>API?</a:t>
             </a:r>
           </a:p>
           <a:p>
@@ -7021,15 +7601,7 @@
             <a:pPr lvl="1"/>
             <a:r>
               <a:rPr lang="en-US" dirty="0" smtClean="0"/>
-              <a:t>We will </a:t>
-            </a:r>
-            <a:r>
-              <a:rPr lang="en-US" dirty="0" smtClean="0"/>
-              <a:t>build </a:t>
-            </a:r>
-            <a:r>
-              <a:rPr lang="en-US" dirty="0" smtClean="0"/>
-              <a:t>a model using the canonical Titanic dataset</a:t>
+              <a:t>We will build a model using the canonical Titanic dataset</a:t>
             </a:r>
           </a:p>
           <a:p>
@@ -7120,6 +7692,13 @@
   <p:clrMapOvr>
     <a:masterClrMapping/>
   </p:clrMapOvr>
+  <p:timing>
+    <p:tnLst>
+      <p:par>
+        <p:cTn id="1" dur="indefinite" restart="never" nodeType="tmRoot"/>
+      </p:par>
+    </p:tnLst>
+  </p:timing>
 </p:sld>
 </file>
 
@@ -7157,7 +7736,15 @@
           <a:p>
             <a:r>
               <a:rPr lang="en-US" dirty="0" smtClean="0"/>
-              <a:t>Why an API?</a:t>
+              <a:t>Why </a:t>
+            </a:r>
+            <a:r>
+              <a:rPr lang="en-US" dirty="0" smtClean="0"/>
+              <a:t>a REST </a:t>
+            </a:r>
+            <a:r>
+              <a:rPr lang="en-US" dirty="0" smtClean="0"/>
+              <a:t>API?</a:t>
             </a:r>
             <a:endParaRPr lang="en-US" dirty="0"/>
           </a:p>
@@ -7277,6 +7864,13 @@
   <p:clrMapOvr>
     <a:masterClrMapping/>
   </p:clrMapOvr>
+  <p:timing>
+    <p:tnLst>
+      <p:par>
+        <p:cTn id="1" dur="indefinite" restart="never" nodeType="tmRoot"/>
+      </p:par>
+    </p:tnLst>
+  </p:timing>
 </p:sld>
 </file>
 
@@ -7492,6 +8086,13 @@
   <p:clrMapOvr>
     <a:masterClrMapping/>
   </p:clrMapOvr>
+  <p:timing>
+    <p:tnLst>
+      <p:par>
+        <p:cTn id="1" dur="indefinite" restart="never" nodeType="tmRoot"/>
+      </p:par>
+    </p:tnLst>
+  </p:timing>
 </p:sld>
 </file>
 
@@ -7682,6 +8283,13 @@
   <p:clrMapOvr>
     <a:masterClrMapping/>
   </p:clrMapOvr>
+  <p:timing>
+    <p:tnLst>
+      <p:par>
+        <p:cTn id="1" dur="indefinite" restart="never" nodeType="tmRoot"/>
+      </p:par>
+    </p:tnLst>
+  </p:timing>
 </p:sld>
 </file>
 
@@ -7762,7 +8370,6 @@
               <a:rPr lang="en-US" dirty="0" smtClean="0"/>
               <a:t>Evaluate Models</a:t>
             </a:r>
-            <a:endParaRPr lang="en-US" dirty="0" smtClean="0"/>
           </a:p>
           <a:p>
             <a:endParaRPr lang="en-US" dirty="0"/>
@@ -7834,6 +8441,13 @@
   <p:clrMapOvr>
     <a:masterClrMapping/>
   </p:clrMapOvr>
+  <p:timing>
+    <p:tnLst>
+      <p:par>
+        <p:cTn id="1" dur="indefinite" restart="never" nodeType="tmRoot"/>
+      </p:par>
+    </p:tnLst>
+  </p:timing>
 </p:sld>
 </file>
 
@@ -7906,7 +8520,23 @@
           <a:p>
             <a:r>
               <a:rPr lang="en-US" dirty="0" smtClean="0"/>
-              <a:t>Transforms data</a:t>
+              <a:t>Transforms </a:t>
+            </a:r>
+            <a:r>
+              <a:rPr lang="en-US" dirty="0" smtClean="0"/>
+              <a:t>data</a:t>
+            </a:r>
+          </a:p>
+          <a:p>
+            <a:r>
+              <a:rPr lang="en-US" dirty="0" smtClean="0"/>
+              <a:t>Run data through model</a:t>
+            </a:r>
+          </a:p>
+          <a:p>
+            <a:r>
+              <a:rPr lang="en-US" dirty="0" smtClean="0"/>
+              <a:t>Returns result</a:t>
             </a:r>
             <a:endParaRPr lang="en-US" dirty="0"/>
           </a:p>
@@ -7977,6 +8607,13 @@
   <p:clrMapOvr>
     <a:masterClrMapping/>
   </p:clrMapOvr>
+  <p:timing>
+    <p:tnLst>
+      <p:par>
+        <p:cTn id="1" dur="indefinite" restart="never" nodeType="tmRoot"/>
+      </p:par>
+    </p:tnLst>
+  </p:timing>
 </p:sld>
 </file>
 
@@ -8014,7 +8651,7 @@
           <a:p>
             <a:r>
               <a:rPr lang="en-US" dirty="0" smtClean="0"/>
-              <a:t>Pitfalls of What I Have Shown</a:t>
+              <a:t>Calling the Model API</a:t>
             </a:r>
             <a:endParaRPr lang="en-US" dirty="0"/>
           </a:p>
@@ -8032,70 +8669,38 @@
         </p:nvSpPr>
         <p:spPr/>
         <p:txBody>
-          <a:bodyPr>
-            <a:normAutofit fontScale="92500" lnSpcReduction="10000"/>
-          </a:bodyPr>
+          <a:bodyPr/>
           <a:lstStyle/>
           <a:p>
             <a:r>
               <a:rPr lang="en-US" dirty="0" smtClean="0"/>
-              <a:t>You REALLY need to put these applications behind a real server:</a:t>
+              <a:t>Get URL of service</a:t>
+            </a:r>
+          </a:p>
+          <a:p>
+            <a:r>
+              <a:rPr lang="en-US" dirty="0" smtClean="0"/>
+              <a:t>Package data in JSON or XML</a:t>
+            </a:r>
+          </a:p>
+          <a:p>
+            <a:r>
+              <a:rPr lang="en-US" dirty="0" smtClean="0"/>
+              <a:t>Make request to service </a:t>
             </a:r>
           </a:p>
           <a:p>
             <a:pPr lvl="1"/>
             <a:r>
-              <a:rPr lang="en-US" dirty="0">
-                <a:hlinkClick r:id="rId2"/>
-              </a:rPr>
-              <a:t>http://flask.pocoo.org/docs/1.0/deploying</a:t>
-            </a:r>
-            <a:r>
-              <a:rPr lang="en-US" dirty="0" smtClean="0">
-                <a:hlinkClick r:id="rId2"/>
-              </a:rPr>
-              <a:t>/</a:t>
-            </a:r>
-            <a:r>
               <a:rPr lang="en-US" dirty="0" smtClean="0"/>
-              <a:t> </a:t>
+              <a:t>Using any programming</a:t>
             </a:r>
           </a:p>
           <a:p>
             <a:r>
               <a:rPr lang="en-US" dirty="0" smtClean="0"/>
-              <a:t>This talk was only about deploying machine learning models, not about how to build a good model. </a:t>
-            </a:r>
-          </a:p>
-          <a:p>
-            <a:r>
-              <a:rPr lang="en-US" dirty="0" smtClean="0"/>
-              <a:t>Need to be diligent about virtual environments because the </a:t>
-            </a:r>
-            <a:r>
-              <a:rPr lang="en-US" dirty="0" err="1" smtClean="0"/>
-              <a:t>pkl</a:t>
-            </a:r>
-            <a:r>
-              <a:rPr lang="en-US" dirty="0" smtClean="0"/>
-              <a:t> files can break with different versions of </a:t>
-            </a:r>
-            <a:r>
-              <a:rPr lang="en-US" dirty="0" err="1" smtClean="0"/>
-              <a:t>sklearn</a:t>
-            </a:r>
-            <a:endParaRPr lang="en-US" dirty="0" smtClean="0"/>
-          </a:p>
-          <a:p>
-            <a:r>
-              <a:rPr lang="en-US" dirty="0" smtClean="0"/>
-              <a:t>Code was built in a simplistic way for pedagogical purposes. For actual production, use appropriate software engineering practices.</a:t>
-            </a:r>
-          </a:p>
-          <a:p>
-            <a:endParaRPr lang="en-US" dirty="0" smtClean="0"/>
-          </a:p>
-          <a:p>
+              <a:t>Do something with the response</a:t>
+            </a:r>
             <a:endParaRPr lang="en-US" dirty="0"/>
           </a:p>
         </p:txBody>
@@ -8158,13 +8763,20 @@
     </p:spTree>
     <p:extLst>
       <p:ext uri="{BB962C8B-B14F-4D97-AF65-F5344CB8AC3E}">
-        <p14:creationId xmlns:p14="http://schemas.microsoft.com/office/powerpoint/2010/main" val="805169895"/>
+        <p14:creationId xmlns:p14="http://schemas.microsoft.com/office/powerpoint/2010/main" val="1995472010"/>
       </p:ext>
     </p:extLst>
   </p:cSld>
   <p:clrMapOvr>
     <a:masterClrMapping/>
   </p:clrMapOvr>
+  <p:timing>
+    <p:tnLst>
+      <p:par>
+        <p:cTn id="1" dur="indefinite" restart="never" nodeType="tmRoot"/>
+      </p:par>
+    </p:tnLst>
+  </p:timing>
 </p:sld>
 </file>
 

--- a/Deploying Machine Learning APIs with Python.pptx
+++ b/Deploying Machine Learning APIs with Python.pptx
@@ -626,7 +626,7 @@
           <a:p>
             <a:fld id="{1160EA64-D806-43AC-9DF2-F8C432F32B4C}" type="datetimeFigureOut">
               <a:rPr lang="en-US" smtClean="0"/>
-              <a:t>10/9/2018</a:t>
+              <a:t>10/11/2018</a:t>
             </a:fld>
             <a:endParaRPr lang="en-US" dirty="0"/>
           </a:p>
@@ -923,7 +923,7 @@
           <a:p>
             <a:fld id="{1160EA64-D806-43AC-9DF2-F8C432F32B4C}" type="datetimeFigureOut">
               <a:rPr lang="en-US" smtClean="0"/>
-              <a:t>10/9/2018</a:t>
+              <a:t>10/11/2018</a:t>
             </a:fld>
             <a:endParaRPr lang="en-US" dirty="0"/>
           </a:p>
@@ -1173,7 +1173,7 @@
           <a:p>
             <a:fld id="{1160EA64-D806-43AC-9DF2-F8C432F32B4C}" type="datetimeFigureOut">
               <a:rPr lang="en-US" smtClean="0"/>
-              <a:t>10/9/2018</a:t>
+              <a:t>10/11/2018</a:t>
             </a:fld>
             <a:endParaRPr lang="en-US" dirty="0"/>
           </a:p>
@@ -1715,7 +1715,7 @@
           <a:p>
             <a:fld id="{1160EA64-D806-43AC-9DF2-F8C432F32B4C}" type="datetimeFigureOut">
               <a:rPr lang="en-US" smtClean="0"/>
-              <a:t>10/9/2018</a:t>
+              <a:t>10/11/2018</a:t>
             </a:fld>
             <a:endParaRPr lang="en-US" dirty="0"/>
           </a:p>
@@ -1965,7 +1965,7 @@
           <a:p>
             <a:fld id="{1160EA64-D806-43AC-9DF2-F8C432F32B4C}" type="datetimeFigureOut">
               <a:rPr lang="en-US" smtClean="0"/>
-              <a:t>10/9/2018</a:t>
+              <a:t>10/11/2018</a:t>
             </a:fld>
             <a:endParaRPr lang="en-US" dirty="0"/>
           </a:p>
@@ -2499,7 +2499,7 @@
           <a:p>
             <a:fld id="{1160EA64-D806-43AC-9DF2-F8C432F32B4C}" type="datetimeFigureOut">
               <a:rPr lang="en-US" smtClean="0"/>
-              <a:t>10/9/2018</a:t>
+              <a:t>10/11/2018</a:t>
             </a:fld>
             <a:endParaRPr lang="en-US" dirty="0"/>
           </a:p>
@@ -2798,7 +2798,7 @@
           <a:p>
             <a:fld id="{1160EA64-D806-43AC-9DF2-F8C432F32B4C}" type="datetimeFigureOut">
               <a:rPr lang="en-US" smtClean="0"/>
-              <a:t>10/9/2018</a:t>
+              <a:t>10/11/2018</a:t>
             </a:fld>
             <a:endParaRPr lang="en-US" dirty="0"/>
           </a:p>
@@ -2974,7 +2974,7 @@
           <a:p>
             <a:fld id="{E9F9C37B-1D36-470B-8223-D6C91242EC14}" type="datetimeFigureOut">
               <a:rPr lang="en-US" smtClean="0"/>
-              <a:t>10/9/2018</a:t>
+              <a:t>10/11/2018</a:t>
             </a:fld>
             <a:endParaRPr lang="en-US" dirty="0"/>
           </a:p>
@@ -3154,7 +3154,7 @@
           <a:p>
             <a:fld id="{67C6F52A-A82B-47A2-A83A-8C4C91F2D59F}" type="datetimeFigureOut">
               <a:rPr lang="en-US" smtClean="0"/>
-              <a:t>10/9/2018</a:t>
+              <a:t>10/11/2018</a:t>
             </a:fld>
             <a:endParaRPr lang="en-US" dirty="0"/>
           </a:p>
@@ -3324,7 +3324,7 @@
           <a:p>
             <a:fld id="{F070A7B3-6521-4DCA-87E5-044747A908C1}" type="datetimeFigureOut">
               <a:rPr lang="en-US" smtClean="0"/>
-              <a:t>10/9/2018</a:t>
+              <a:t>10/11/2018</a:t>
             </a:fld>
             <a:endParaRPr lang="en-US" dirty="0"/>
           </a:p>
@@ -3576,7 +3576,7 @@
           <a:p>
             <a:fld id="{1160EA64-D806-43AC-9DF2-F8C432F32B4C}" type="datetimeFigureOut">
               <a:rPr lang="en-US" smtClean="0"/>
-              <a:t>10/9/2018</a:t>
+              <a:t>10/11/2018</a:t>
             </a:fld>
             <a:endParaRPr lang="en-US" dirty="0"/>
           </a:p>
@@ -3874,7 +3874,7 @@
           <a:p>
             <a:fld id="{AB134690-1557-4C89-A502-4959FE7FAD70}" type="datetimeFigureOut">
               <a:rPr lang="en-US" smtClean="0"/>
-              <a:t>10/9/2018</a:t>
+              <a:t>10/11/2018</a:t>
             </a:fld>
             <a:endParaRPr lang="en-US" dirty="0"/>
           </a:p>
@@ -4316,7 +4316,7 @@
           <a:p>
             <a:fld id="{1160EA64-D806-43AC-9DF2-F8C432F32B4C}" type="datetimeFigureOut">
               <a:rPr lang="en-US" smtClean="0"/>
-              <a:t>10/9/2018</a:t>
+              <a:t>10/11/2018</a:t>
             </a:fld>
             <a:endParaRPr lang="en-US" dirty="0"/>
           </a:p>
@@ -4436,7 +4436,7 @@
           <a:p>
             <a:fld id="{E1037C31-9E7A-4F99-8774-A0E530DE1A42}" type="datetimeFigureOut">
               <a:rPr lang="en-US" smtClean="0"/>
-              <a:t>10/9/2018</a:t>
+              <a:t>10/11/2018</a:t>
             </a:fld>
             <a:endParaRPr lang="en-US" dirty="0"/>
           </a:p>
@@ -4531,7 +4531,7 @@
           <a:p>
             <a:fld id="{C278504F-A551-4DE0-9316-4DCD1D8CC752}" type="datetimeFigureOut">
               <a:rPr lang="en-US" smtClean="0"/>
-              <a:t>10/9/2018</a:t>
+              <a:t>10/11/2018</a:t>
             </a:fld>
             <a:endParaRPr lang="en-US" dirty="0"/>
           </a:p>
@@ -4814,7 +4814,7 @@
           <a:p>
             <a:fld id="{1160EA64-D806-43AC-9DF2-F8C432F32B4C}" type="datetimeFigureOut">
               <a:rPr lang="en-US" smtClean="0"/>
-              <a:t>10/9/2018</a:t>
+              <a:t>10/11/2018</a:t>
             </a:fld>
             <a:endParaRPr lang="en-US" dirty="0"/>
           </a:p>
@@ -5106,7 +5106,7 @@
           <a:p>
             <a:fld id="{1160EA64-D806-43AC-9DF2-F8C432F32B4C}" type="datetimeFigureOut">
               <a:rPr lang="en-US" smtClean="0"/>
-              <a:t>10/9/2018</a:t>
+              <a:t>10/11/2018</a:t>
             </a:fld>
             <a:endParaRPr lang="en-US" dirty="0"/>
           </a:p>
@@ -5638,7 +5638,7 @@
           <a:p>
             <a:fld id="{1160EA64-D806-43AC-9DF2-F8C432F32B4C}" type="datetimeFigureOut">
               <a:rPr lang="en-US" smtClean="0"/>
-              <a:t>10/9/2018</a:t>
+              <a:t>10/11/2018</a:t>
             </a:fld>
             <a:endParaRPr lang="en-US" dirty="0"/>
           </a:p>
@@ -6748,13 +6748,8 @@
           <a:p>
             <a:r>
               <a:rPr lang="en-US" dirty="0" smtClean="0"/>
-              <a:t>This </a:t>
-            </a:r>
-            <a:r>
-              <a:rPr lang="en-US" dirty="0" smtClean="0"/>
-              <a:t>talk was only about deploying machine learning models, not about how to build a good model. </a:t>
-            </a:r>
-            <a:endParaRPr lang="en-US" dirty="0" smtClean="0"/>
+              <a:t>This talk was only about deploying machine learning models, not about how to build a good model. </a:t>
+            </a:r>
           </a:p>
           <a:p>
             <a:endParaRPr lang="en-US" dirty="0" smtClean="0"/>
@@ -6778,11 +6773,7 @@
             </a:r>
             <a:r>
               <a:rPr lang="en-US" dirty="0" smtClean="0"/>
-              <a:t> </a:t>
-            </a:r>
-            <a:r>
-              <a:rPr lang="en-US" dirty="0" smtClean="0"/>
-              <a:t>files can break with different versions of </a:t>
+              <a:t> files can break with different versions of </a:t>
             </a:r>
             <a:r>
               <a:rPr lang="en-US" dirty="0" err="1" smtClean="0"/>
@@ -6799,11 +6790,7 @@
           <a:p>
             <a:r>
               <a:rPr lang="en-US" dirty="0" smtClean="0"/>
-              <a:t>Code </a:t>
-            </a:r>
-            <a:r>
-              <a:rPr lang="en-US" dirty="0" smtClean="0"/>
-              <a:t>was built in a simplistic way for pedagogical purposes. For actual production, use appropriate software engineering practices.</a:t>
+              <a:t>Code was built in a simplistic way for pedagogical purposes. For actual production, use appropriate software engineering practices.</a:t>
             </a:r>
           </a:p>
           <a:p>
@@ -6911,7 +6898,7 @@
         </p:nvSpPr>
         <p:spPr>
           <a:xfrm>
-            <a:off x="1484310" y="1482634"/>
+            <a:off x="1484310" y="1325880"/>
             <a:ext cx="10018713" cy="1752599"/>
           </a:xfrm>
         </p:spPr>
@@ -7575,15 +7562,7 @@
           <a:p>
             <a:r>
               <a:rPr lang="en-US" dirty="0" smtClean="0"/>
-              <a:t>Why use </a:t>
-            </a:r>
-            <a:r>
-              <a:rPr lang="en-US" dirty="0" smtClean="0"/>
-              <a:t>a REST </a:t>
-            </a:r>
-            <a:r>
-              <a:rPr lang="en-US" dirty="0" smtClean="0"/>
-              <a:t>API?</a:t>
+              <a:t>Why use a REST API?</a:t>
             </a:r>
           </a:p>
           <a:p>
@@ -7736,15 +7715,7 @@
           <a:p>
             <a:r>
               <a:rPr lang="en-US" dirty="0" smtClean="0"/>
-              <a:t>Why </a:t>
-            </a:r>
-            <a:r>
-              <a:rPr lang="en-US" dirty="0" smtClean="0"/>
-              <a:t>a REST </a:t>
-            </a:r>
-            <a:r>
-              <a:rPr lang="en-US" dirty="0" smtClean="0"/>
-              <a:t>API?</a:t>
+              <a:t>Why a REST API?</a:t>
             </a:r>
             <a:endParaRPr lang="en-US" dirty="0"/>
           </a:p>
@@ -8520,11 +8491,7 @@
           <a:p>
             <a:r>
               <a:rPr lang="en-US" dirty="0" smtClean="0"/>
-              <a:t>Transforms </a:t>
-            </a:r>
-            <a:r>
-              <a:rPr lang="en-US" dirty="0" smtClean="0"/>
-              <a:t>data</a:t>
+              <a:t>Transforms data</a:t>
             </a:r>
           </a:p>
           <a:p>
